--- a/ppt 16-9/1253.讲诚实话.pptx
+++ b/ppt 16-9/1253.讲诚实话.pptx
@@ -5,7 +5,7 @@
     <p:sldMasterId id="2147483648" r:id="rId1"/>
   </p:sldMasterIdLst>
   <p:sldIdLst>
-    <p:sldId id="799" r:id="rId2"/>
+    <p:sldId id="801" r:id="rId2"/>
   </p:sldIdLst>
   <p:sldSz cx="12192000" cy="6858000"/>
   <p:notesSz cx="6858000" cy="9144000"/>
@@ -129,7 +129,7 @@
           <p:cNvPr id="2" name="标题 1">
             <a:extLst>
               <a:ext uri="{FF2B5EF4-FFF2-40B4-BE49-F238E27FC236}">
-                <a16:creationId xmlns:a16="http://schemas.microsoft.com/office/drawing/2014/main" id="{FD685D14-4B1C-80CD-E7EF-B431375765E1}"/>
+                <a16:creationId xmlns:a16="http://schemas.microsoft.com/office/drawing/2014/main" id="{A2B6F13A-9DEE-372B-3A66-D2578C7746BD}"/>
               </a:ext>
             </a:extLst>
           </p:cNvPr>
@@ -166,7 +166,7 @@
           <p:cNvPr id="3" name="副标题 2">
             <a:extLst>
               <a:ext uri="{FF2B5EF4-FFF2-40B4-BE49-F238E27FC236}">
-                <a16:creationId xmlns:a16="http://schemas.microsoft.com/office/drawing/2014/main" id="{D53BCE6C-201E-8131-5839-31F13FBE0BEE}"/>
+                <a16:creationId xmlns:a16="http://schemas.microsoft.com/office/drawing/2014/main" id="{C060DEA9-D046-3357-94C1-C16707774440}"/>
               </a:ext>
             </a:extLst>
           </p:cNvPr>
@@ -236,7 +236,7 @@
           <p:cNvPr id="4" name="日期占位符 3">
             <a:extLst>
               <a:ext uri="{FF2B5EF4-FFF2-40B4-BE49-F238E27FC236}">
-                <a16:creationId xmlns:a16="http://schemas.microsoft.com/office/drawing/2014/main" id="{78D5C347-5259-6B27-E1B3-4F44EB33C92E}"/>
+                <a16:creationId xmlns:a16="http://schemas.microsoft.com/office/drawing/2014/main" id="{A36CA01F-E4E0-4ABB-CC1C-D13D412297BE}"/>
               </a:ext>
             </a:extLst>
           </p:cNvPr>
@@ -252,7 +252,7 @@
           <a:bodyPr/>
           <a:lstStyle/>
           <a:p>
-            <a:fld id="{90B6D4B3-B981-48F3-867E-B3EE013F7D8B}" type="datetimeFigureOut">
+            <a:fld id="{8FF2B842-69E4-4CD2-A5D3-3393A1EDBD07}" type="datetimeFigureOut">
               <a:rPr lang="zh-CN" altLang="en-US" smtClean="0"/>
               <a:t>2024/3/10</a:t>
             </a:fld>
@@ -265,7 +265,7 @@
           <p:cNvPr id="5" name="页脚占位符 4">
             <a:extLst>
               <a:ext uri="{FF2B5EF4-FFF2-40B4-BE49-F238E27FC236}">
-                <a16:creationId xmlns:a16="http://schemas.microsoft.com/office/drawing/2014/main" id="{DCF87490-16B5-FC28-04F2-C11235FDA900}"/>
+                <a16:creationId xmlns:a16="http://schemas.microsoft.com/office/drawing/2014/main" id="{0E8130D4-B235-63C7-9EFF-C5C5C891FF72}"/>
               </a:ext>
             </a:extLst>
           </p:cNvPr>
@@ -290,7 +290,7 @@
           <p:cNvPr id="6" name="灯片编号占位符 5">
             <a:extLst>
               <a:ext uri="{FF2B5EF4-FFF2-40B4-BE49-F238E27FC236}">
-                <a16:creationId xmlns:a16="http://schemas.microsoft.com/office/drawing/2014/main" id="{F1EFEC4D-1FB3-33B4-6E02-19F9033E8E6C}"/>
+                <a16:creationId xmlns:a16="http://schemas.microsoft.com/office/drawing/2014/main" id="{6621BB6F-75A7-2091-ABE1-98F93046CEA0}"/>
               </a:ext>
             </a:extLst>
           </p:cNvPr>
@@ -306,7 +306,7 @@
           <a:bodyPr/>
           <a:lstStyle/>
           <a:p>
-            <a:fld id="{98086FC5-22D1-4B5D-8980-2209266B997F}" type="slidenum">
+            <a:fld id="{DC4CE16D-0EB7-448C-B930-BA6464F88FB2}" type="slidenum">
               <a:rPr lang="zh-CN" altLang="en-US" smtClean="0"/>
               <a:t>‹#›</a:t>
             </a:fld>
@@ -317,7 +317,7 @@
     </p:spTree>
     <p:extLst>
       <p:ext uri="{BB962C8B-B14F-4D97-AF65-F5344CB8AC3E}">
-        <p14:creationId xmlns:p14="http://schemas.microsoft.com/office/powerpoint/2010/main" val="2676588812"/>
+        <p14:creationId xmlns:p14="http://schemas.microsoft.com/office/powerpoint/2010/main" val="1581253963"/>
       </p:ext>
     </p:extLst>
   </p:cSld>
@@ -349,7 +349,7 @@
           <p:cNvPr id="2" name="标题 1">
             <a:extLst>
               <a:ext uri="{FF2B5EF4-FFF2-40B4-BE49-F238E27FC236}">
-                <a16:creationId xmlns:a16="http://schemas.microsoft.com/office/drawing/2014/main" id="{9C794D59-02B6-5E09-E0AB-D68AEF279073}"/>
+                <a16:creationId xmlns:a16="http://schemas.microsoft.com/office/drawing/2014/main" id="{7748CE88-B189-0CFE-D91F-2A4F905B0704}"/>
               </a:ext>
             </a:extLst>
           </p:cNvPr>
@@ -377,7 +377,7 @@
           <p:cNvPr id="3" name="竖排文字占位符 2">
             <a:extLst>
               <a:ext uri="{FF2B5EF4-FFF2-40B4-BE49-F238E27FC236}">
-                <a16:creationId xmlns:a16="http://schemas.microsoft.com/office/drawing/2014/main" id="{52305F19-A280-E650-8AF6-FA23A3EA8BD0}"/>
+                <a16:creationId xmlns:a16="http://schemas.microsoft.com/office/drawing/2014/main" id="{0155C843-579C-C286-41C8-6A93C82762EA}"/>
               </a:ext>
             </a:extLst>
           </p:cNvPr>
@@ -434,7 +434,7 @@
           <p:cNvPr id="4" name="日期占位符 3">
             <a:extLst>
               <a:ext uri="{FF2B5EF4-FFF2-40B4-BE49-F238E27FC236}">
-                <a16:creationId xmlns:a16="http://schemas.microsoft.com/office/drawing/2014/main" id="{2625D809-1025-EBB8-B3BD-6E510165B793}"/>
+                <a16:creationId xmlns:a16="http://schemas.microsoft.com/office/drawing/2014/main" id="{6215D5E8-3024-0E11-6000-3EE50E510690}"/>
               </a:ext>
             </a:extLst>
           </p:cNvPr>
@@ -450,7 +450,7 @@
           <a:bodyPr/>
           <a:lstStyle/>
           <a:p>
-            <a:fld id="{90B6D4B3-B981-48F3-867E-B3EE013F7D8B}" type="datetimeFigureOut">
+            <a:fld id="{8FF2B842-69E4-4CD2-A5D3-3393A1EDBD07}" type="datetimeFigureOut">
               <a:rPr lang="zh-CN" altLang="en-US" smtClean="0"/>
               <a:t>2024/3/10</a:t>
             </a:fld>
@@ -463,7 +463,7 @@
           <p:cNvPr id="5" name="页脚占位符 4">
             <a:extLst>
               <a:ext uri="{FF2B5EF4-FFF2-40B4-BE49-F238E27FC236}">
-                <a16:creationId xmlns:a16="http://schemas.microsoft.com/office/drawing/2014/main" id="{8EE022B9-6A99-618A-3EFE-B9961FBF58BB}"/>
+                <a16:creationId xmlns:a16="http://schemas.microsoft.com/office/drawing/2014/main" id="{F83A298B-EC38-299A-2F71-35BB76DDA8E5}"/>
               </a:ext>
             </a:extLst>
           </p:cNvPr>
@@ -488,7 +488,7 @@
           <p:cNvPr id="6" name="灯片编号占位符 5">
             <a:extLst>
               <a:ext uri="{FF2B5EF4-FFF2-40B4-BE49-F238E27FC236}">
-                <a16:creationId xmlns:a16="http://schemas.microsoft.com/office/drawing/2014/main" id="{4B25F03D-A49A-B8DE-5F78-02FB00D286D8}"/>
+                <a16:creationId xmlns:a16="http://schemas.microsoft.com/office/drawing/2014/main" id="{F2DB4CEE-7E57-A07B-0669-C232AF6EB759}"/>
               </a:ext>
             </a:extLst>
           </p:cNvPr>
@@ -504,7 +504,7 @@
           <a:bodyPr/>
           <a:lstStyle/>
           <a:p>
-            <a:fld id="{98086FC5-22D1-4B5D-8980-2209266B997F}" type="slidenum">
+            <a:fld id="{DC4CE16D-0EB7-448C-B930-BA6464F88FB2}" type="slidenum">
               <a:rPr lang="zh-CN" altLang="en-US" smtClean="0"/>
               <a:t>‹#›</a:t>
             </a:fld>
@@ -515,7 +515,7 @@
     </p:spTree>
     <p:extLst>
       <p:ext uri="{BB962C8B-B14F-4D97-AF65-F5344CB8AC3E}">
-        <p14:creationId xmlns:p14="http://schemas.microsoft.com/office/powerpoint/2010/main" val="357817962"/>
+        <p14:creationId xmlns:p14="http://schemas.microsoft.com/office/powerpoint/2010/main" val="2067239029"/>
       </p:ext>
     </p:extLst>
   </p:cSld>
@@ -547,7 +547,7 @@
           <p:cNvPr id="2" name="竖排标题 1">
             <a:extLst>
               <a:ext uri="{FF2B5EF4-FFF2-40B4-BE49-F238E27FC236}">
-                <a16:creationId xmlns:a16="http://schemas.microsoft.com/office/drawing/2014/main" id="{717DC6D2-5D7B-BB04-6D39-A07D32096D6F}"/>
+                <a16:creationId xmlns:a16="http://schemas.microsoft.com/office/drawing/2014/main" id="{55EEDC98-EA35-53FE-09ED-3F1755CA0920}"/>
               </a:ext>
             </a:extLst>
           </p:cNvPr>
@@ -580,7 +580,7 @@
           <p:cNvPr id="3" name="竖排文字占位符 2">
             <a:extLst>
               <a:ext uri="{FF2B5EF4-FFF2-40B4-BE49-F238E27FC236}">
-                <a16:creationId xmlns:a16="http://schemas.microsoft.com/office/drawing/2014/main" id="{9A034EDF-B02C-4D7D-77D5-D7DC5E86B163}"/>
+                <a16:creationId xmlns:a16="http://schemas.microsoft.com/office/drawing/2014/main" id="{B0232A7B-7CF2-2908-1058-5E15B56E8102}"/>
               </a:ext>
             </a:extLst>
           </p:cNvPr>
@@ -642,7 +642,7 @@
           <p:cNvPr id="4" name="日期占位符 3">
             <a:extLst>
               <a:ext uri="{FF2B5EF4-FFF2-40B4-BE49-F238E27FC236}">
-                <a16:creationId xmlns:a16="http://schemas.microsoft.com/office/drawing/2014/main" id="{086A6A44-0FC1-5A73-C791-F0BE139938AA}"/>
+                <a16:creationId xmlns:a16="http://schemas.microsoft.com/office/drawing/2014/main" id="{4BFA7BF6-E6B6-6081-FFA5-CCFEA140C26E}"/>
               </a:ext>
             </a:extLst>
           </p:cNvPr>
@@ -658,7 +658,7 @@
           <a:bodyPr/>
           <a:lstStyle/>
           <a:p>
-            <a:fld id="{90B6D4B3-B981-48F3-867E-B3EE013F7D8B}" type="datetimeFigureOut">
+            <a:fld id="{8FF2B842-69E4-4CD2-A5D3-3393A1EDBD07}" type="datetimeFigureOut">
               <a:rPr lang="zh-CN" altLang="en-US" smtClean="0"/>
               <a:t>2024/3/10</a:t>
             </a:fld>
@@ -671,7 +671,7 @@
           <p:cNvPr id="5" name="页脚占位符 4">
             <a:extLst>
               <a:ext uri="{FF2B5EF4-FFF2-40B4-BE49-F238E27FC236}">
-                <a16:creationId xmlns:a16="http://schemas.microsoft.com/office/drawing/2014/main" id="{938B5FC9-9C68-A959-91FD-D9FB4A6F1987}"/>
+                <a16:creationId xmlns:a16="http://schemas.microsoft.com/office/drawing/2014/main" id="{98D1715B-9F05-D836-033A-CB0AB572D942}"/>
               </a:ext>
             </a:extLst>
           </p:cNvPr>
@@ -696,7 +696,7 @@
           <p:cNvPr id="6" name="灯片编号占位符 5">
             <a:extLst>
               <a:ext uri="{FF2B5EF4-FFF2-40B4-BE49-F238E27FC236}">
-                <a16:creationId xmlns:a16="http://schemas.microsoft.com/office/drawing/2014/main" id="{DBD9EEA6-F1BE-99CC-B6F1-DC9D9E044F46}"/>
+                <a16:creationId xmlns:a16="http://schemas.microsoft.com/office/drawing/2014/main" id="{E5141BE9-367E-35C4-95AA-04F1A0A5F480}"/>
               </a:ext>
             </a:extLst>
           </p:cNvPr>
@@ -712,7 +712,7 @@
           <a:bodyPr/>
           <a:lstStyle/>
           <a:p>
-            <a:fld id="{98086FC5-22D1-4B5D-8980-2209266B997F}" type="slidenum">
+            <a:fld id="{DC4CE16D-0EB7-448C-B930-BA6464F88FB2}" type="slidenum">
               <a:rPr lang="zh-CN" altLang="en-US" smtClean="0"/>
               <a:t>‹#›</a:t>
             </a:fld>
@@ -723,7 +723,7 @@
     </p:spTree>
     <p:extLst>
       <p:ext uri="{BB962C8B-B14F-4D97-AF65-F5344CB8AC3E}">
-        <p14:creationId xmlns:p14="http://schemas.microsoft.com/office/powerpoint/2010/main" val="2268380096"/>
+        <p14:creationId xmlns:p14="http://schemas.microsoft.com/office/powerpoint/2010/main" val="2014035224"/>
       </p:ext>
     </p:extLst>
   </p:cSld>
@@ -755,7 +755,7 @@
           <p:cNvPr id="2" name="标题 1">
             <a:extLst>
               <a:ext uri="{FF2B5EF4-FFF2-40B4-BE49-F238E27FC236}">
-                <a16:creationId xmlns:a16="http://schemas.microsoft.com/office/drawing/2014/main" id="{75D02598-AEF2-59E4-4498-71CFA69714E8}"/>
+                <a16:creationId xmlns:a16="http://schemas.microsoft.com/office/drawing/2014/main" id="{00D53B4B-07A5-628D-51D8-F88678311C1A}"/>
               </a:ext>
             </a:extLst>
           </p:cNvPr>
@@ -783,7 +783,7 @@
           <p:cNvPr id="3" name="内容占位符 2">
             <a:extLst>
               <a:ext uri="{FF2B5EF4-FFF2-40B4-BE49-F238E27FC236}">
-                <a16:creationId xmlns:a16="http://schemas.microsoft.com/office/drawing/2014/main" id="{AA543C1F-7503-14AF-D52C-ECD6FFB8EBB1}"/>
+                <a16:creationId xmlns:a16="http://schemas.microsoft.com/office/drawing/2014/main" id="{9048760C-5029-8A83-06BB-D69757866BAE}"/>
               </a:ext>
             </a:extLst>
           </p:cNvPr>
@@ -840,7 +840,7 @@
           <p:cNvPr id="4" name="日期占位符 3">
             <a:extLst>
               <a:ext uri="{FF2B5EF4-FFF2-40B4-BE49-F238E27FC236}">
-                <a16:creationId xmlns:a16="http://schemas.microsoft.com/office/drawing/2014/main" id="{1D3AD6E1-88F2-EE31-4616-3D4010228ECC}"/>
+                <a16:creationId xmlns:a16="http://schemas.microsoft.com/office/drawing/2014/main" id="{5BA6465B-A26A-952D-49C2-44B56CF4BB2A}"/>
               </a:ext>
             </a:extLst>
           </p:cNvPr>
@@ -856,7 +856,7 @@
           <a:bodyPr/>
           <a:lstStyle/>
           <a:p>
-            <a:fld id="{90B6D4B3-B981-48F3-867E-B3EE013F7D8B}" type="datetimeFigureOut">
+            <a:fld id="{8FF2B842-69E4-4CD2-A5D3-3393A1EDBD07}" type="datetimeFigureOut">
               <a:rPr lang="zh-CN" altLang="en-US" smtClean="0"/>
               <a:t>2024/3/10</a:t>
             </a:fld>
@@ -869,7 +869,7 @@
           <p:cNvPr id="5" name="页脚占位符 4">
             <a:extLst>
               <a:ext uri="{FF2B5EF4-FFF2-40B4-BE49-F238E27FC236}">
-                <a16:creationId xmlns:a16="http://schemas.microsoft.com/office/drawing/2014/main" id="{8A133440-F265-E7DE-337C-E3FCBBCB56B1}"/>
+                <a16:creationId xmlns:a16="http://schemas.microsoft.com/office/drawing/2014/main" id="{FFF70308-9093-51D0-872C-0B95BE13DA5D}"/>
               </a:ext>
             </a:extLst>
           </p:cNvPr>
@@ -894,7 +894,7 @@
           <p:cNvPr id="6" name="灯片编号占位符 5">
             <a:extLst>
               <a:ext uri="{FF2B5EF4-FFF2-40B4-BE49-F238E27FC236}">
-                <a16:creationId xmlns:a16="http://schemas.microsoft.com/office/drawing/2014/main" id="{1915F8C5-B666-27CE-88E1-5E74E22053F8}"/>
+                <a16:creationId xmlns:a16="http://schemas.microsoft.com/office/drawing/2014/main" id="{0DFE3838-C818-5F49-060E-9E67534F4020}"/>
               </a:ext>
             </a:extLst>
           </p:cNvPr>
@@ -910,7 +910,7 @@
           <a:bodyPr/>
           <a:lstStyle/>
           <a:p>
-            <a:fld id="{98086FC5-22D1-4B5D-8980-2209266B997F}" type="slidenum">
+            <a:fld id="{DC4CE16D-0EB7-448C-B930-BA6464F88FB2}" type="slidenum">
               <a:rPr lang="zh-CN" altLang="en-US" smtClean="0"/>
               <a:t>‹#›</a:t>
             </a:fld>
@@ -921,7 +921,7 @@
     </p:spTree>
     <p:extLst>
       <p:ext uri="{BB962C8B-B14F-4D97-AF65-F5344CB8AC3E}">
-        <p14:creationId xmlns:p14="http://schemas.microsoft.com/office/powerpoint/2010/main" val="2509475842"/>
+        <p14:creationId xmlns:p14="http://schemas.microsoft.com/office/powerpoint/2010/main" val="3801487015"/>
       </p:ext>
     </p:extLst>
   </p:cSld>
@@ -953,7 +953,7 @@
           <p:cNvPr id="2" name="标题 1">
             <a:extLst>
               <a:ext uri="{FF2B5EF4-FFF2-40B4-BE49-F238E27FC236}">
-                <a16:creationId xmlns:a16="http://schemas.microsoft.com/office/drawing/2014/main" id="{1D379EE1-AAAE-EE92-B5F7-9195BBA83EB2}"/>
+                <a16:creationId xmlns:a16="http://schemas.microsoft.com/office/drawing/2014/main" id="{9B4ABF72-7A8E-2DF7-82AF-D712AB17E834}"/>
               </a:ext>
             </a:extLst>
           </p:cNvPr>
@@ -990,7 +990,7 @@
           <p:cNvPr id="3" name="文本占位符 2">
             <a:extLst>
               <a:ext uri="{FF2B5EF4-FFF2-40B4-BE49-F238E27FC236}">
-                <a16:creationId xmlns:a16="http://schemas.microsoft.com/office/drawing/2014/main" id="{A9242CE9-268E-AF82-1686-A59CC86B6762}"/>
+                <a16:creationId xmlns:a16="http://schemas.microsoft.com/office/drawing/2014/main" id="{254A3427-5161-C5E6-7EF1-479820D9C4F1}"/>
               </a:ext>
             </a:extLst>
           </p:cNvPr>
@@ -1115,7 +1115,7 @@
           <p:cNvPr id="4" name="日期占位符 3">
             <a:extLst>
               <a:ext uri="{FF2B5EF4-FFF2-40B4-BE49-F238E27FC236}">
-                <a16:creationId xmlns:a16="http://schemas.microsoft.com/office/drawing/2014/main" id="{52CE14B0-2474-252B-331A-31857CD8E41C}"/>
+                <a16:creationId xmlns:a16="http://schemas.microsoft.com/office/drawing/2014/main" id="{998DDF13-C8A3-E431-72D2-D86607D8582F}"/>
               </a:ext>
             </a:extLst>
           </p:cNvPr>
@@ -1131,7 +1131,7 @@
           <a:bodyPr/>
           <a:lstStyle/>
           <a:p>
-            <a:fld id="{90B6D4B3-B981-48F3-867E-B3EE013F7D8B}" type="datetimeFigureOut">
+            <a:fld id="{8FF2B842-69E4-4CD2-A5D3-3393A1EDBD07}" type="datetimeFigureOut">
               <a:rPr lang="zh-CN" altLang="en-US" smtClean="0"/>
               <a:t>2024/3/10</a:t>
             </a:fld>
@@ -1144,7 +1144,7 @@
           <p:cNvPr id="5" name="页脚占位符 4">
             <a:extLst>
               <a:ext uri="{FF2B5EF4-FFF2-40B4-BE49-F238E27FC236}">
-                <a16:creationId xmlns:a16="http://schemas.microsoft.com/office/drawing/2014/main" id="{371AB9E7-C76D-04BF-6FF6-D439F0F8B91D}"/>
+                <a16:creationId xmlns:a16="http://schemas.microsoft.com/office/drawing/2014/main" id="{84751932-CAAA-1EC7-4785-6336242F0F6D}"/>
               </a:ext>
             </a:extLst>
           </p:cNvPr>
@@ -1169,7 +1169,7 @@
           <p:cNvPr id="6" name="灯片编号占位符 5">
             <a:extLst>
               <a:ext uri="{FF2B5EF4-FFF2-40B4-BE49-F238E27FC236}">
-                <a16:creationId xmlns:a16="http://schemas.microsoft.com/office/drawing/2014/main" id="{C3CF6290-8C16-0280-A926-D93DE1236DCF}"/>
+                <a16:creationId xmlns:a16="http://schemas.microsoft.com/office/drawing/2014/main" id="{94F7115B-D030-B77F-3E5A-27A683FEF45F}"/>
               </a:ext>
             </a:extLst>
           </p:cNvPr>
@@ -1185,7 +1185,7 @@
           <a:bodyPr/>
           <a:lstStyle/>
           <a:p>
-            <a:fld id="{98086FC5-22D1-4B5D-8980-2209266B997F}" type="slidenum">
+            <a:fld id="{DC4CE16D-0EB7-448C-B930-BA6464F88FB2}" type="slidenum">
               <a:rPr lang="zh-CN" altLang="en-US" smtClean="0"/>
               <a:t>‹#›</a:t>
             </a:fld>
@@ -1196,7 +1196,7 @@
     </p:spTree>
     <p:extLst>
       <p:ext uri="{BB962C8B-B14F-4D97-AF65-F5344CB8AC3E}">
-        <p14:creationId xmlns:p14="http://schemas.microsoft.com/office/powerpoint/2010/main" val="2646562445"/>
+        <p14:creationId xmlns:p14="http://schemas.microsoft.com/office/powerpoint/2010/main" val="2941961656"/>
       </p:ext>
     </p:extLst>
   </p:cSld>
@@ -1228,7 +1228,7 @@
           <p:cNvPr id="2" name="标题 1">
             <a:extLst>
               <a:ext uri="{FF2B5EF4-FFF2-40B4-BE49-F238E27FC236}">
-                <a16:creationId xmlns:a16="http://schemas.microsoft.com/office/drawing/2014/main" id="{691DF258-C543-7080-A77E-0ACB7F321D40}"/>
+                <a16:creationId xmlns:a16="http://schemas.microsoft.com/office/drawing/2014/main" id="{AB6D7E96-CD32-7F2B-36A9-5930B2460CEA}"/>
               </a:ext>
             </a:extLst>
           </p:cNvPr>
@@ -1256,7 +1256,7 @@
           <p:cNvPr id="3" name="内容占位符 2">
             <a:extLst>
               <a:ext uri="{FF2B5EF4-FFF2-40B4-BE49-F238E27FC236}">
-                <a16:creationId xmlns:a16="http://schemas.microsoft.com/office/drawing/2014/main" id="{955420C5-4EF9-6C0F-16F0-4E7E1BA659FE}"/>
+                <a16:creationId xmlns:a16="http://schemas.microsoft.com/office/drawing/2014/main" id="{4BFD3CBC-C117-E19F-05F0-5330C11CC440}"/>
               </a:ext>
             </a:extLst>
           </p:cNvPr>
@@ -1318,7 +1318,7 @@
           <p:cNvPr id="4" name="内容占位符 3">
             <a:extLst>
               <a:ext uri="{FF2B5EF4-FFF2-40B4-BE49-F238E27FC236}">
-                <a16:creationId xmlns:a16="http://schemas.microsoft.com/office/drawing/2014/main" id="{4F554A1A-0F5F-8B80-38DE-E2AF25D21CDF}"/>
+                <a16:creationId xmlns:a16="http://schemas.microsoft.com/office/drawing/2014/main" id="{A7B7C5A5-DD06-6D6D-0B80-A9CBF8843B6B}"/>
               </a:ext>
             </a:extLst>
           </p:cNvPr>
@@ -1380,7 +1380,7 @@
           <p:cNvPr id="5" name="日期占位符 4">
             <a:extLst>
               <a:ext uri="{FF2B5EF4-FFF2-40B4-BE49-F238E27FC236}">
-                <a16:creationId xmlns:a16="http://schemas.microsoft.com/office/drawing/2014/main" id="{C77C00D2-05CA-4939-C6B5-D6702FEFFEAE}"/>
+                <a16:creationId xmlns:a16="http://schemas.microsoft.com/office/drawing/2014/main" id="{A39B1B4E-8416-DA2F-457D-0BE87F133928}"/>
               </a:ext>
             </a:extLst>
           </p:cNvPr>
@@ -1396,7 +1396,7 @@
           <a:bodyPr/>
           <a:lstStyle/>
           <a:p>
-            <a:fld id="{90B6D4B3-B981-48F3-867E-B3EE013F7D8B}" type="datetimeFigureOut">
+            <a:fld id="{8FF2B842-69E4-4CD2-A5D3-3393A1EDBD07}" type="datetimeFigureOut">
               <a:rPr lang="zh-CN" altLang="en-US" smtClean="0"/>
               <a:t>2024/3/10</a:t>
             </a:fld>
@@ -1409,7 +1409,7 @@
           <p:cNvPr id="6" name="页脚占位符 5">
             <a:extLst>
               <a:ext uri="{FF2B5EF4-FFF2-40B4-BE49-F238E27FC236}">
-                <a16:creationId xmlns:a16="http://schemas.microsoft.com/office/drawing/2014/main" id="{050CDFA8-8078-5284-4FF7-00B5689F0235}"/>
+                <a16:creationId xmlns:a16="http://schemas.microsoft.com/office/drawing/2014/main" id="{51882229-3777-B5B7-A6B5-2CAB9DFED585}"/>
               </a:ext>
             </a:extLst>
           </p:cNvPr>
@@ -1434,7 +1434,7 @@
           <p:cNvPr id="7" name="灯片编号占位符 6">
             <a:extLst>
               <a:ext uri="{FF2B5EF4-FFF2-40B4-BE49-F238E27FC236}">
-                <a16:creationId xmlns:a16="http://schemas.microsoft.com/office/drawing/2014/main" id="{A57F72BE-C664-D861-4C4B-D0502BAEBE3E}"/>
+                <a16:creationId xmlns:a16="http://schemas.microsoft.com/office/drawing/2014/main" id="{43AC71FF-DD1F-5100-188A-D2A043EDCAF4}"/>
               </a:ext>
             </a:extLst>
           </p:cNvPr>
@@ -1450,7 +1450,7 @@
           <a:bodyPr/>
           <a:lstStyle/>
           <a:p>
-            <a:fld id="{98086FC5-22D1-4B5D-8980-2209266B997F}" type="slidenum">
+            <a:fld id="{DC4CE16D-0EB7-448C-B930-BA6464F88FB2}" type="slidenum">
               <a:rPr lang="zh-CN" altLang="en-US" smtClean="0"/>
               <a:t>‹#›</a:t>
             </a:fld>
@@ -1461,7 +1461,7 @@
     </p:spTree>
     <p:extLst>
       <p:ext uri="{BB962C8B-B14F-4D97-AF65-F5344CB8AC3E}">
-        <p14:creationId xmlns:p14="http://schemas.microsoft.com/office/powerpoint/2010/main" val="865280278"/>
+        <p14:creationId xmlns:p14="http://schemas.microsoft.com/office/powerpoint/2010/main" val="2193163636"/>
       </p:ext>
     </p:extLst>
   </p:cSld>
@@ -1493,7 +1493,7 @@
           <p:cNvPr id="2" name="标题 1">
             <a:extLst>
               <a:ext uri="{FF2B5EF4-FFF2-40B4-BE49-F238E27FC236}">
-                <a16:creationId xmlns:a16="http://schemas.microsoft.com/office/drawing/2014/main" id="{9B9C03F7-70EE-405A-6DF4-B01B09200E45}"/>
+                <a16:creationId xmlns:a16="http://schemas.microsoft.com/office/drawing/2014/main" id="{1E402457-B300-C6CF-A139-04828F13D3AB}"/>
               </a:ext>
             </a:extLst>
           </p:cNvPr>
@@ -1526,7 +1526,7 @@
           <p:cNvPr id="3" name="文本占位符 2">
             <a:extLst>
               <a:ext uri="{FF2B5EF4-FFF2-40B4-BE49-F238E27FC236}">
-                <a16:creationId xmlns:a16="http://schemas.microsoft.com/office/drawing/2014/main" id="{ED15D03F-BC1A-D200-1EE9-7A8BDF344EED}"/>
+                <a16:creationId xmlns:a16="http://schemas.microsoft.com/office/drawing/2014/main" id="{B4C49D27-3918-DE7D-1ACD-A0955BEEF144}"/>
               </a:ext>
             </a:extLst>
           </p:cNvPr>
@@ -1597,7 +1597,7 @@
           <p:cNvPr id="4" name="内容占位符 3">
             <a:extLst>
               <a:ext uri="{FF2B5EF4-FFF2-40B4-BE49-F238E27FC236}">
-                <a16:creationId xmlns:a16="http://schemas.microsoft.com/office/drawing/2014/main" id="{CEC697BE-94D9-746C-FF5F-F843F7FBBCEC}"/>
+                <a16:creationId xmlns:a16="http://schemas.microsoft.com/office/drawing/2014/main" id="{06A71BEE-5BDA-4205-AF2C-7BAB7F4F1D14}"/>
               </a:ext>
             </a:extLst>
           </p:cNvPr>
@@ -1659,7 +1659,7 @@
           <p:cNvPr id="5" name="文本占位符 4">
             <a:extLst>
               <a:ext uri="{FF2B5EF4-FFF2-40B4-BE49-F238E27FC236}">
-                <a16:creationId xmlns:a16="http://schemas.microsoft.com/office/drawing/2014/main" id="{0F748EB9-0D9C-A4A5-9663-2876185E563B}"/>
+                <a16:creationId xmlns:a16="http://schemas.microsoft.com/office/drawing/2014/main" id="{ACE4D533-DE5D-0759-656C-7801B17493B4}"/>
               </a:ext>
             </a:extLst>
           </p:cNvPr>
@@ -1730,7 +1730,7 @@
           <p:cNvPr id="6" name="内容占位符 5">
             <a:extLst>
               <a:ext uri="{FF2B5EF4-FFF2-40B4-BE49-F238E27FC236}">
-                <a16:creationId xmlns:a16="http://schemas.microsoft.com/office/drawing/2014/main" id="{B0AEFF55-5A48-50C9-B240-D5FABEB8C43D}"/>
+                <a16:creationId xmlns:a16="http://schemas.microsoft.com/office/drawing/2014/main" id="{D8F5FECF-EDF5-0227-30B7-FF611961EF0A}"/>
               </a:ext>
             </a:extLst>
           </p:cNvPr>
@@ -1792,7 +1792,7 @@
           <p:cNvPr id="7" name="日期占位符 6">
             <a:extLst>
               <a:ext uri="{FF2B5EF4-FFF2-40B4-BE49-F238E27FC236}">
-                <a16:creationId xmlns:a16="http://schemas.microsoft.com/office/drawing/2014/main" id="{DF7C4BFA-7C45-E3AF-5DF2-4AC9EAAF9C03}"/>
+                <a16:creationId xmlns:a16="http://schemas.microsoft.com/office/drawing/2014/main" id="{40CA4415-5DD6-3E6C-6ABE-47D7D793D951}"/>
               </a:ext>
             </a:extLst>
           </p:cNvPr>
@@ -1808,7 +1808,7 @@
           <a:bodyPr/>
           <a:lstStyle/>
           <a:p>
-            <a:fld id="{90B6D4B3-B981-48F3-867E-B3EE013F7D8B}" type="datetimeFigureOut">
+            <a:fld id="{8FF2B842-69E4-4CD2-A5D3-3393A1EDBD07}" type="datetimeFigureOut">
               <a:rPr lang="zh-CN" altLang="en-US" smtClean="0"/>
               <a:t>2024/3/10</a:t>
             </a:fld>
@@ -1821,7 +1821,7 @@
           <p:cNvPr id="8" name="页脚占位符 7">
             <a:extLst>
               <a:ext uri="{FF2B5EF4-FFF2-40B4-BE49-F238E27FC236}">
-                <a16:creationId xmlns:a16="http://schemas.microsoft.com/office/drawing/2014/main" id="{9893416D-46DF-C7B9-231E-CA1CAD12CD52}"/>
+                <a16:creationId xmlns:a16="http://schemas.microsoft.com/office/drawing/2014/main" id="{65A985E1-0388-718D-8E47-42668126DCC2}"/>
               </a:ext>
             </a:extLst>
           </p:cNvPr>
@@ -1846,7 +1846,7 @@
           <p:cNvPr id="9" name="灯片编号占位符 8">
             <a:extLst>
               <a:ext uri="{FF2B5EF4-FFF2-40B4-BE49-F238E27FC236}">
-                <a16:creationId xmlns:a16="http://schemas.microsoft.com/office/drawing/2014/main" id="{49345DE6-8064-4AEB-2937-E2451626C9B2}"/>
+                <a16:creationId xmlns:a16="http://schemas.microsoft.com/office/drawing/2014/main" id="{2B8B0FA4-2260-7CF1-EBA6-BBC02C218FAC}"/>
               </a:ext>
             </a:extLst>
           </p:cNvPr>
@@ -1862,7 +1862,7 @@
           <a:bodyPr/>
           <a:lstStyle/>
           <a:p>
-            <a:fld id="{98086FC5-22D1-4B5D-8980-2209266B997F}" type="slidenum">
+            <a:fld id="{DC4CE16D-0EB7-448C-B930-BA6464F88FB2}" type="slidenum">
               <a:rPr lang="zh-CN" altLang="en-US" smtClean="0"/>
               <a:t>‹#›</a:t>
             </a:fld>
@@ -1873,7 +1873,7 @@
     </p:spTree>
     <p:extLst>
       <p:ext uri="{BB962C8B-B14F-4D97-AF65-F5344CB8AC3E}">
-        <p14:creationId xmlns:p14="http://schemas.microsoft.com/office/powerpoint/2010/main" val="301249640"/>
+        <p14:creationId xmlns:p14="http://schemas.microsoft.com/office/powerpoint/2010/main" val="3715813092"/>
       </p:ext>
     </p:extLst>
   </p:cSld>
@@ -1905,7 +1905,7 @@
           <p:cNvPr id="2" name="标题 1">
             <a:extLst>
               <a:ext uri="{FF2B5EF4-FFF2-40B4-BE49-F238E27FC236}">
-                <a16:creationId xmlns:a16="http://schemas.microsoft.com/office/drawing/2014/main" id="{AF58E61A-DA54-2D2D-2C83-872192FE7D0F}"/>
+                <a16:creationId xmlns:a16="http://schemas.microsoft.com/office/drawing/2014/main" id="{2E3368A3-4F37-2214-5AFB-AB560EB72654}"/>
               </a:ext>
             </a:extLst>
           </p:cNvPr>
@@ -1933,7 +1933,7 @@
           <p:cNvPr id="3" name="日期占位符 2">
             <a:extLst>
               <a:ext uri="{FF2B5EF4-FFF2-40B4-BE49-F238E27FC236}">
-                <a16:creationId xmlns:a16="http://schemas.microsoft.com/office/drawing/2014/main" id="{4ACF1976-ED80-613E-11FF-A55F1A4975F5}"/>
+                <a16:creationId xmlns:a16="http://schemas.microsoft.com/office/drawing/2014/main" id="{21166D3A-FCB6-5273-747C-34348AB300FC}"/>
               </a:ext>
             </a:extLst>
           </p:cNvPr>
@@ -1949,7 +1949,7 @@
           <a:bodyPr/>
           <a:lstStyle/>
           <a:p>
-            <a:fld id="{90B6D4B3-B981-48F3-867E-B3EE013F7D8B}" type="datetimeFigureOut">
+            <a:fld id="{8FF2B842-69E4-4CD2-A5D3-3393A1EDBD07}" type="datetimeFigureOut">
               <a:rPr lang="zh-CN" altLang="en-US" smtClean="0"/>
               <a:t>2024/3/10</a:t>
             </a:fld>
@@ -1962,7 +1962,7 @@
           <p:cNvPr id="4" name="页脚占位符 3">
             <a:extLst>
               <a:ext uri="{FF2B5EF4-FFF2-40B4-BE49-F238E27FC236}">
-                <a16:creationId xmlns:a16="http://schemas.microsoft.com/office/drawing/2014/main" id="{E07E6D75-290F-22D0-4E3B-AB1A1B937F1A}"/>
+                <a16:creationId xmlns:a16="http://schemas.microsoft.com/office/drawing/2014/main" id="{C2FBB368-B3F3-BD36-AB93-BB901AC64FD2}"/>
               </a:ext>
             </a:extLst>
           </p:cNvPr>
@@ -1987,7 +1987,7 @@
           <p:cNvPr id="5" name="灯片编号占位符 4">
             <a:extLst>
               <a:ext uri="{FF2B5EF4-FFF2-40B4-BE49-F238E27FC236}">
-                <a16:creationId xmlns:a16="http://schemas.microsoft.com/office/drawing/2014/main" id="{E47141C6-BC4A-0A58-2C14-39DAAFCB9A07}"/>
+                <a16:creationId xmlns:a16="http://schemas.microsoft.com/office/drawing/2014/main" id="{E6E5451A-1BA4-A742-BFD8-4FC2261930DE}"/>
               </a:ext>
             </a:extLst>
           </p:cNvPr>
@@ -2003,7 +2003,7 @@
           <a:bodyPr/>
           <a:lstStyle/>
           <a:p>
-            <a:fld id="{98086FC5-22D1-4B5D-8980-2209266B997F}" type="slidenum">
+            <a:fld id="{DC4CE16D-0EB7-448C-B930-BA6464F88FB2}" type="slidenum">
               <a:rPr lang="zh-CN" altLang="en-US" smtClean="0"/>
               <a:t>‹#›</a:t>
             </a:fld>
@@ -2014,7 +2014,7 @@
     </p:spTree>
     <p:extLst>
       <p:ext uri="{BB962C8B-B14F-4D97-AF65-F5344CB8AC3E}">
-        <p14:creationId xmlns:p14="http://schemas.microsoft.com/office/powerpoint/2010/main" val="3247569071"/>
+        <p14:creationId xmlns:p14="http://schemas.microsoft.com/office/powerpoint/2010/main" val="2360280947"/>
       </p:ext>
     </p:extLst>
   </p:cSld>
@@ -2046,7 +2046,7 @@
           <p:cNvPr id="2" name="日期占位符 1">
             <a:extLst>
               <a:ext uri="{FF2B5EF4-FFF2-40B4-BE49-F238E27FC236}">
-                <a16:creationId xmlns:a16="http://schemas.microsoft.com/office/drawing/2014/main" id="{826C46D4-3977-E2DF-37BF-652316CC906B}"/>
+                <a16:creationId xmlns:a16="http://schemas.microsoft.com/office/drawing/2014/main" id="{6C17E17F-9D44-A0C2-FB7B-DC510B9C66A1}"/>
               </a:ext>
             </a:extLst>
           </p:cNvPr>
@@ -2062,7 +2062,7 @@
           <a:bodyPr/>
           <a:lstStyle/>
           <a:p>
-            <a:fld id="{90B6D4B3-B981-48F3-867E-B3EE013F7D8B}" type="datetimeFigureOut">
+            <a:fld id="{8FF2B842-69E4-4CD2-A5D3-3393A1EDBD07}" type="datetimeFigureOut">
               <a:rPr lang="zh-CN" altLang="en-US" smtClean="0"/>
               <a:t>2024/3/10</a:t>
             </a:fld>
@@ -2075,7 +2075,7 @@
           <p:cNvPr id="3" name="页脚占位符 2">
             <a:extLst>
               <a:ext uri="{FF2B5EF4-FFF2-40B4-BE49-F238E27FC236}">
-                <a16:creationId xmlns:a16="http://schemas.microsoft.com/office/drawing/2014/main" id="{704ED13A-DBF3-6B52-AD63-18DE248EC3E0}"/>
+                <a16:creationId xmlns:a16="http://schemas.microsoft.com/office/drawing/2014/main" id="{25AB4E32-A994-BDF3-708C-342E00876858}"/>
               </a:ext>
             </a:extLst>
           </p:cNvPr>
@@ -2100,7 +2100,7 @@
           <p:cNvPr id="4" name="灯片编号占位符 3">
             <a:extLst>
               <a:ext uri="{FF2B5EF4-FFF2-40B4-BE49-F238E27FC236}">
-                <a16:creationId xmlns:a16="http://schemas.microsoft.com/office/drawing/2014/main" id="{B51F77E0-D448-554D-6246-AAB7549CECEF}"/>
+                <a16:creationId xmlns:a16="http://schemas.microsoft.com/office/drawing/2014/main" id="{4BA460A5-5C10-F132-6126-D3E01712DB12}"/>
               </a:ext>
             </a:extLst>
           </p:cNvPr>
@@ -2116,7 +2116,7 @@
           <a:bodyPr/>
           <a:lstStyle/>
           <a:p>
-            <a:fld id="{98086FC5-22D1-4B5D-8980-2209266B997F}" type="slidenum">
+            <a:fld id="{DC4CE16D-0EB7-448C-B930-BA6464F88FB2}" type="slidenum">
               <a:rPr lang="zh-CN" altLang="en-US" smtClean="0"/>
               <a:t>‹#›</a:t>
             </a:fld>
@@ -2127,7 +2127,7 @@
     </p:spTree>
     <p:extLst>
       <p:ext uri="{BB962C8B-B14F-4D97-AF65-F5344CB8AC3E}">
-        <p14:creationId xmlns:p14="http://schemas.microsoft.com/office/powerpoint/2010/main" val="2643751271"/>
+        <p14:creationId xmlns:p14="http://schemas.microsoft.com/office/powerpoint/2010/main" val="3126568140"/>
       </p:ext>
     </p:extLst>
   </p:cSld>
@@ -2159,7 +2159,7 @@
           <p:cNvPr id="2" name="标题 1">
             <a:extLst>
               <a:ext uri="{FF2B5EF4-FFF2-40B4-BE49-F238E27FC236}">
-                <a16:creationId xmlns:a16="http://schemas.microsoft.com/office/drawing/2014/main" id="{4DCBF3D5-B70B-FF7B-7F42-30D7E485966E}"/>
+                <a16:creationId xmlns:a16="http://schemas.microsoft.com/office/drawing/2014/main" id="{30629BAA-9C8E-46CA-C0E1-244BBEA14B7D}"/>
               </a:ext>
             </a:extLst>
           </p:cNvPr>
@@ -2196,7 +2196,7 @@
           <p:cNvPr id="3" name="内容占位符 2">
             <a:extLst>
               <a:ext uri="{FF2B5EF4-FFF2-40B4-BE49-F238E27FC236}">
-                <a16:creationId xmlns:a16="http://schemas.microsoft.com/office/drawing/2014/main" id="{A58FCDA3-E5C5-9815-D2BE-651CBE9EB120}"/>
+                <a16:creationId xmlns:a16="http://schemas.microsoft.com/office/drawing/2014/main" id="{3AA9F3D0-B3E6-695F-D6E3-51755E3FF467}"/>
               </a:ext>
             </a:extLst>
           </p:cNvPr>
@@ -2286,7 +2286,7 @@
           <p:cNvPr id="4" name="文本占位符 3">
             <a:extLst>
               <a:ext uri="{FF2B5EF4-FFF2-40B4-BE49-F238E27FC236}">
-                <a16:creationId xmlns:a16="http://schemas.microsoft.com/office/drawing/2014/main" id="{B2154D65-77CC-7762-CCF7-2A32319159C6}"/>
+                <a16:creationId xmlns:a16="http://schemas.microsoft.com/office/drawing/2014/main" id="{EA3E8E99-C440-D147-AE51-5796AD053F94}"/>
               </a:ext>
             </a:extLst>
           </p:cNvPr>
@@ -2357,7 +2357,7 @@
           <p:cNvPr id="5" name="日期占位符 4">
             <a:extLst>
               <a:ext uri="{FF2B5EF4-FFF2-40B4-BE49-F238E27FC236}">
-                <a16:creationId xmlns:a16="http://schemas.microsoft.com/office/drawing/2014/main" id="{130728E0-99EA-29FA-DC00-B97D0F78D7D4}"/>
+                <a16:creationId xmlns:a16="http://schemas.microsoft.com/office/drawing/2014/main" id="{A2FB7827-DC2E-06FF-3BD6-AFCE19F3A6E7}"/>
               </a:ext>
             </a:extLst>
           </p:cNvPr>
@@ -2373,7 +2373,7 @@
           <a:bodyPr/>
           <a:lstStyle/>
           <a:p>
-            <a:fld id="{90B6D4B3-B981-48F3-867E-B3EE013F7D8B}" type="datetimeFigureOut">
+            <a:fld id="{8FF2B842-69E4-4CD2-A5D3-3393A1EDBD07}" type="datetimeFigureOut">
               <a:rPr lang="zh-CN" altLang="en-US" smtClean="0"/>
               <a:t>2024/3/10</a:t>
             </a:fld>
@@ -2386,7 +2386,7 @@
           <p:cNvPr id="6" name="页脚占位符 5">
             <a:extLst>
               <a:ext uri="{FF2B5EF4-FFF2-40B4-BE49-F238E27FC236}">
-                <a16:creationId xmlns:a16="http://schemas.microsoft.com/office/drawing/2014/main" id="{60C35B70-41BD-C9CB-E13F-B142BE041C87}"/>
+                <a16:creationId xmlns:a16="http://schemas.microsoft.com/office/drawing/2014/main" id="{F7B22044-F023-FAEF-8D01-7C2F696C2EFC}"/>
               </a:ext>
             </a:extLst>
           </p:cNvPr>
@@ -2411,7 +2411,7 @@
           <p:cNvPr id="7" name="灯片编号占位符 6">
             <a:extLst>
               <a:ext uri="{FF2B5EF4-FFF2-40B4-BE49-F238E27FC236}">
-                <a16:creationId xmlns:a16="http://schemas.microsoft.com/office/drawing/2014/main" id="{4254AB71-222D-D712-4F07-801F5B4EFAB8}"/>
+                <a16:creationId xmlns:a16="http://schemas.microsoft.com/office/drawing/2014/main" id="{1B3D35C5-7ED3-214D-AC7E-63D091CC0DD8}"/>
               </a:ext>
             </a:extLst>
           </p:cNvPr>
@@ -2427,7 +2427,7 @@
           <a:bodyPr/>
           <a:lstStyle/>
           <a:p>
-            <a:fld id="{98086FC5-22D1-4B5D-8980-2209266B997F}" type="slidenum">
+            <a:fld id="{DC4CE16D-0EB7-448C-B930-BA6464F88FB2}" type="slidenum">
               <a:rPr lang="zh-CN" altLang="en-US" smtClean="0"/>
               <a:t>‹#›</a:t>
             </a:fld>
@@ -2438,7 +2438,7 @@
     </p:spTree>
     <p:extLst>
       <p:ext uri="{BB962C8B-B14F-4D97-AF65-F5344CB8AC3E}">
-        <p14:creationId xmlns:p14="http://schemas.microsoft.com/office/powerpoint/2010/main" val="1923485007"/>
+        <p14:creationId xmlns:p14="http://schemas.microsoft.com/office/powerpoint/2010/main" val="1735124483"/>
       </p:ext>
     </p:extLst>
   </p:cSld>
@@ -2470,7 +2470,7 @@
           <p:cNvPr id="2" name="标题 1">
             <a:extLst>
               <a:ext uri="{FF2B5EF4-FFF2-40B4-BE49-F238E27FC236}">
-                <a16:creationId xmlns:a16="http://schemas.microsoft.com/office/drawing/2014/main" id="{79E6AA9C-C927-9C40-A580-3BEE5D9A4408}"/>
+                <a16:creationId xmlns:a16="http://schemas.microsoft.com/office/drawing/2014/main" id="{C97BBB90-A16C-FDA2-5FBC-BB606F3CDDFF}"/>
               </a:ext>
             </a:extLst>
           </p:cNvPr>
@@ -2507,7 +2507,7 @@
           <p:cNvPr id="3" name="图片占位符 2">
             <a:extLst>
               <a:ext uri="{FF2B5EF4-FFF2-40B4-BE49-F238E27FC236}">
-                <a16:creationId xmlns:a16="http://schemas.microsoft.com/office/drawing/2014/main" id="{9465C772-E128-FC83-EB21-B20A00FC986B}"/>
+                <a16:creationId xmlns:a16="http://schemas.microsoft.com/office/drawing/2014/main" id="{F2E4ABC6-C4A6-3054-F1EF-072174EA2717}"/>
               </a:ext>
             </a:extLst>
           </p:cNvPr>
@@ -2574,7 +2574,7 @@
           <p:cNvPr id="4" name="文本占位符 3">
             <a:extLst>
               <a:ext uri="{FF2B5EF4-FFF2-40B4-BE49-F238E27FC236}">
-                <a16:creationId xmlns:a16="http://schemas.microsoft.com/office/drawing/2014/main" id="{1B7513CE-82A1-A93B-2FCE-88A60DD55EE0}"/>
+                <a16:creationId xmlns:a16="http://schemas.microsoft.com/office/drawing/2014/main" id="{FCE7CC5C-5419-0B8E-5A26-C3ACEE413720}"/>
               </a:ext>
             </a:extLst>
           </p:cNvPr>
@@ -2645,7 +2645,7 @@
           <p:cNvPr id="5" name="日期占位符 4">
             <a:extLst>
               <a:ext uri="{FF2B5EF4-FFF2-40B4-BE49-F238E27FC236}">
-                <a16:creationId xmlns:a16="http://schemas.microsoft.com/office/drawing/2014/main" id="{AA4A44FA-0048-76F7-A4C8-5194748FE8A9}"/>
+                <a16:creationId xmlns:a16="http://schemas.microsoft.com/office/drawing/2014/main" id="{31B5215B-59F3-49D9-CE5E-840651A33862}"/>
               </a:ext>
             </a:extLst>
           </p:cNvPr>
@@ -2661,7 +2661,7 @@
           <a:bodyPr/>
           <a:lstStyle/>
           <a:p>
-            <a:fld id="{90B6D4B3-B981-48F3-867E-B3EE013F7D8B}" type="datetimeFigureOut">
+            <a:fld id="{8FF2B842-69E4-4CD2-A5D3-3393A1EDBD07}" type="datetimeFigureOut">
               <a:rPr lang="zh-CN" altLang="en-US" smtClean="0"/>
               <a:t>2024/3/10</a:t>
             </a:fld>
@@ -2674,7 +2674,7 @@
           <p:cNvPr id="6" name="页脚占位符 5">
             <a:extLst>
               <a:ext uri="{FF2B5EF4-FFF2-40B4-BE49-F238E27FC236}">
-                <a16:creationId xmlns:a16="http://schemas.microsoft.com/office/drawing/2014/main" id="{626C922B-36B9-C186-3843-39E18D7E4498}"/>
+                <a16:creationId xmlns:a16="http://schemas.microsoft.com/office/drawing/2014/main" id="{8D2F7CBC-484C-00C4-9C1F-47853C3C0B53}"/>
               </a:ext>
             </a:extLst>
           </p:cNvPr>
@@ -2699,7 +2699,7 @@
           <p:cNvPr id="7" name="灯片编号占位符 6">
             <a:extLst>
               <a:ext uri="{FF2B5EF4-FFF2-40B4-BE49-F238E27FC236}">
-                <a16:creationId xmlns:a16="http://schemas.microsoft.com/office/drawing/2014/main" id="{B48398FE-8D93-DF7D-7853-52A318ED26AB}"/>
+                <a16:creationId xmlns:a16="http://schemas.microsoft.com/office/drawing/2014/main" id="{CE9C7326-4955-BE74-F794-5AA119DBA947}"/>
               </a:ext>
             </a:extLst>
           </p:cNvPr>
@@ -2715,7 +2715,7 @@
           <a:bodyPr/>
           <a:lstStyle/>
           <a:p>
-            <a:fld id="{98086FC5-22D1-4B5D-8980-2209266B997F}" type="slidenum">
+            <a:fld id="{DC4CE16D-0EB7-448C-B930-BA6464F88FB2}" type="slidenum">
               <a:rPr lang="zh-CN" altLang="en-US" smtClean="0"/>
               <a:t>‹#›</a:t>
             </a:fld>
@@ -2726,7 +2726,7 @@
     </p:spTree>
     <p:extLst>
       <p:ext uri="{BB962C8B-B14F-4D97-AF65-F5344CB8AC3E}">
-        <p14:creationId xmlns:p14="http://schemas.microsoft.com/office/powerpoint/2010/main" val="2807620918"/>
+        <p14:creationId xmlns:p14="http://schemas.microsoft.com/office/powerpoint/2010/main" val="300755960"/>
       </p:ext>
     </p:extLst>
   </p:cSld>
@@ -2763,7 +2763,7 @@
           <p:cNvPr id="2" name="标题占位符 1">
             <a:extLst>
               <a:ext uri="{FF2B5EF4-FFF2-40B4-BE49-F238E27FC236}">
-                <a16:creationId xmlns:a16="http://schemas.microsoft.com/office/drawing/2014/main" id="{2AB90C02-654B-7D2A-7659-4926170BC154}"/>
+                <a16:creationId xmlns:a16="http://schemas.microsoft.com/office/drawing/2014/main" id="{0864883F-2436-B327-B337-0D8E384CF928}"/>
               </a:ext>
             </a:extLst>
           </p:cNvPr>
@@ -2801,7 +2801,7 @@
           <p:cNvPr id="3" name="文本占位符 2">
             <a:extLst>
               <a:ext uri="{FF2B5EF4-FFF2-40B4-BE49-F238E27FC236}">
-                <a16:creationId xmlns:a16="http://schemas.microsoft.com/office/drawing/2014/main" id="{64A049F8-AEA1-36AB-1E76-EFAB0FDE7549}"/>
+                <a16:creationId xmlns:a16="http://schemas.microsoft.com/office/drawing/2014/main" id="{BEF82C43-2213-3593-4AD6-CC953585F874}"/>
               </a:ext>
             </a:extLst>
           </p:cNvPr>
@@ -2868,7 +2868,7 @@
           <p:cNvPr id="4" name="日期占位符 3">
             <a:extLst>
               <a:ext uri="{FF2B5EF4-FFF2-40B4-BE49-F238E27FC236}">
-                <a16:creationId xmlns:a16="http://schemas.microsoft.com/office/drawing/2014/main" id="{8212B52D-6414-EA10-30DB-57576D1CA36D}"/>
+                <a16:creationId xmlns:a16="http://schemas.microsoft.com/office/drawing/2014/main" id="{7D078A70-66B3-251A-9686-A94EAA9EBA31}"/>
               </a:ext>
             </a:extLst>
           </p:cNvPr>
@@ -2902,7 +2902,7 @@
             </a:lvl1pPr>
           </a:lstStyle>
           <a:p>
-            <a:fld id="{90B6D4B3-B981-48F3-867E-B3EE013F7D8B}" type="datetimeFigureOut">
+            <a:fld id="{8FF2B842-69E4-4CD2-A5D3-3393A1EDBD07}" type="datetimeFigureOut">
               <a:rPr lang="zh-CN" altLang="en-US" smtClean="0"/>
               <a:t>2024/3/10</a:t>
             </a:fld>
@@ -2915,7 +2915,7 @@
           <p:cNvPr id="5" name="页脚占位符 4">
             <a:extLst>
               <a:ext uri="{FF2B5EF4-FFF2-40B4-BE49-F238E27FC236}">
-                <a16:creationId xmlns:a16="http://schemas.microsoft.com/office/drawing/2014/main" id="{FCA7B85F-8498-CD2A-96D7-AB2F7B1E677C}"/>
+                <a16:creationId xmlns:a16="http://schemas.microsoft.com/office/drawing/2014/main" id="{06CBCDAE-394A-3E4C-3A03-5C17C7E637AA}"/>
               </a:ext>
             </a:extLst>
           </p:cNvPr>
@@ -2958,7 +2958,7 @@
           <p:cNvPr id="6" name="灯片编号占位符 5">
             <a:extLst>
               <a:ext uri="{FF2B5EF4-FFF2-40B4-BE49-F238E27FC236}">
-                <a16:creationId xmlns:a16="http://schemas.microsoft.com/office/drawing/2014/main" id="{630DF1B1-59B7-193F-9840-0807EC58D4E7}"/>
+                <a16:creationId xmlns:a16="http://schemas.microsoft.com/office/drawing/2014/main" id="{F7D059E7-62A8-3439-FBC9-BB1D4B5C3F37}"/>
               </a:ext>
             </a:extLst>
           </p:cNvPr>
@@ -2992,7 +2992,7 @@
             </a:lvl1pPr>
           </a:lstStyle>
           <a:p>
-            <a:fld id="{98086FC5-22D1-4B5D-8980-2209266B997F}" type="slidenum">
+            <a:fld id="{DC4CE16D-0EB7-448C-B930-BA6464F88FB2}" type="slidenum">
               <a:rPr lang="zh-CN" altLang="en-US" smtClean="0"/>
               <a:t>‹#›</a:t>
             </a:fld>
@@ -3003,7 +3003,7 @@
     </p:spTree>
     <p:extLst>
       <p:ext uri="{BB962C8B-B14F-4D97-AF65-F5344CB8AC3E}">
-        <p14:creationId xmlns:p14="http://schemas.microsoft.com/office/powerpoint/2010/main" val="919115330"/>
+        <p14:creationId xmlns:p14="http://schemas.microsoft.com/office/powerpoint/2010/main" val="3217926039"/>
       </p:ext>
     </p:extLst>
   </p:cSld>
@@ -3323,7 +3323,7 @@
       </p:grpSpPr>
       <p:pic>
         <p:nvPicPr>
-          <p:cNvPr id="1283074" name="Picture 2" descr="1252"/>
+          <p:cNvPr id="1284098" name="Picture 2" descr="1253"/>
           <p:cNvPicPr>
             <a:picLocks noChangeAspect="1" noChangeArrowheads="1"/>
           </p:cNvPicPr>
